--- a/presentation/Modifs_Yves.pptx
+++ b/presentation/Modifs_Yves.pptx
@@ -15,8 +15,9 @@
     <p:sldId id="261" r:id="rId9"/>
     <p:sldId id="262" r:id="rId10"/>
     <p:sldId id="263" r:id="rId11"/>
-    <p:sldId id="265" r:id="rId12"/>
-    <p:sldId id="264" r:id="rId13"/>
+    <p:sldId id="266" r:id="rId12"/>
+    <p:sldId id="265" r:id="rId13"/>
+    <p:sldId id="264" r:id="rId14"/>
   </p:sldIdLst>
   <p:sldSz cx="12192000" cy="6858000"/>
   <p:notesSz cx="6858000" cy="9144000"/>
@@ -121,6 +122,10 @@
     </p:ext>
   </p:extLst>
 </p:presentation>
+</file>
+
+<file path=ppt/revisionInfo.xml><?xml version="1.0" encoding="utf-8"?>
+<p1510:revInfo xmlns:a="http://schemas.openxmlformats.org/drawingml/2006/main" xmlns:r="http://schemas.openxmlformats.org/officeDocument/2006/relationships" xmlns:p1510="http://schemas.microsoft.com/office/powerpoint/2015/10/main"/>
 </file>
 
 <file path=ppt/diagrams/colors1.xml><?xml version="1.0" encoding="utf-8"?>
@@ -878,7 +883,7 @@
       <dgm:spPr/>
     </dgm:pt>
     <dgm:pt modelId="{5D170049-A05B-4112-B847-1E04E205E515}">
-      <dgm:prSet phldrT="[Texte]"/>
+      <dgm:prSet phldrT="[Texte]" custT="1"/>
       <dgm:spPr>
         <a:solidFill>
           <a:schemeClr val="accent1">
@@ -892,7 +897,7 @@
         <a:lstStyle/>
         <a:p>
           <a:r>
-            <a:rPr lang="en-GB" noProof="0" dirty="0">
+            <a:rPr lang="en-GB" sz="2000" noProof="0" dirty="0">
               <a:solidFill>
                 <a:schemeClr val="tx1"/>
               </a:solidFill>
@@ -925,7 +930,7 @@
       </dgm:t>
     </dgm:pt>
     <dgm:pt modelId="{FDF5373B-D053-4DFC-BA18-3914C6B86C2D}">
-      <dgm:prSet phldrT="[Texte]"/>
+      <dgm:prSet phldrT="[Texte]" custT="1"/>
       <dgm:spPr>
         <a:solidFill>
           <a:schemeClr val="accent1">
@@ -939,7 +944,7 @@
         <a:lstStyle/>
         <a:p>
           <a:r>
-            <a:rPr lang="en-GB" noProof="0" dirty="0">
+            <a:rPr lang="en-GB" sz="2000" noProof="0" dirty="0">
               <a:solidFill>
                 <a:schemeClr val="tx1"/>
               </a:solidFill>
@@ -1077,12 +1082,12 @@
         </a:fontRef>
       </dsp:style>
       <dsp:txBody>
-        <a:bodyPr spcFirstLastPara="0" vert="horz" wrap="square" lIns="112014" tIns="56007" rIns="28004" bIns="56007" numCol="1" spcCol="1270" anchor="ctr" anchorCtr="0">
+        <a:bodyPr spcFirstLastPara="0" vert="horz" wrap="square" lIns="106680" tIns="53340" rIns="26670" bIns="53340" numCol="1" spcCol="1270" anchor="ctr" anchorCtr="0">
           <a:noAutofit/>
         </a:bodyPr>
         <a:lstStyle/>
         <a:p>
-          <a:pPr marL="0" lvl="0" indent="0" algn="ctr" defTabSz="933450">
+          <a:pPr marL="0" lvl="0" indent="0" algn="ctr" defTabSz="889000">
             <a:lnSpc>
               <a:spcPct val="90000"/>
             </a:lnSpc>
@@ -1095,7 +1100,7 @@
             <a:buNone/>
           </a:pPr>
           <a:r>
-            <a:rPr lang="en-GB" sz="2100" kern="1200" noProof="0" dirty="0">
+            <a:rPr lang="en-GB" sz="2000" kern="1200" noProof="0" dirty="0">
               <a:solidFill>
                 <a:schemeClr val="tx1"/>
               </a:solidFill>
@@ -1157,12 +1162,12 @@
         </a:fontRef>
       </dsp:style>
       <dsp:txBody>
-        <a:bodyPr spcFirstLastPara="0" vert="horz" wrap="square" lIns="84011" tIns="56007" rIns="28004" bIns="56007" numCol="1" spcCol="1270" anchor="ctr" anchorCtr="0">
+        <a:bodyPr spcFirstLastPara="0" vert="horz" wrap="square" lIns="80010" tIns="53340" rIns="26670" bIns="53340" numCol="1" spcCol="1270" anchor="ctr" anchorCtr="0">
           <a:noAutofit/>
         </a:bodyPr>
         <a:lstStyle/>
         <a:p>
-          <a:pPr marL="0" lvl="0" indent="0" algn="ctr" defTabSz="933450">
+          <a:pPr marL="0" lvl="0" indent="0" algn="ctr" defTabSz="889000">
             <a:lnSpc>
               <a:spcPct val="90000"/>
             </a:lnSpc>
@@ -1175,7 +1180,7 @@
             <a:buNone/>
           </a:pPr>
           <a:r>
-            <a:rPr lang="en-GB" sz="2100" kern="1200" noProof="0" dirty="0">
+            <a:rPr lang="en-GB" sz="2000" kern="1200" noProof="0" dirty="0">
               <a:solidFill>
                 <a:schemeClr val="tx1"/>
               </a:solidFill>
@@ -14205,6 +14210,197 @@
 </p:sld>
 </file>
 
+<file path=ppt/slides/slide10.xml><?xml version="1.0" encoding="utf-8"?>
+<p:sld xmlns:a="http://schemas.openxmlformats.org/drawingml/2006/main" xmlns:r="http://schemas.openxmlformats.org/officeDocument/2006/relationships" xmlns:p="http://schemas.openxmlformats.org/presentationml/2006/main">
+  <p:cSld>
+    <p:spTree>
+      <p:nvGrpSpPr>
+        <p:cNvPr id="1" name=""/>
+        <p:cNvGrpSpPr/>
+        <p:nvPr/>
+      </p:nvGrpSpPr>
+      <p:grpSpPr>
+        <a:xfrm>
+          <a:off x="0" y="0"/>
+          <a:ext cx="0" cy="0"/>
+          <a:chOff x="0" y="0"/>
+          <a:chExt cx="0" cy="0"/>
+        </a:xfrm>
+      </p:grpSpPr>
+      <p:sp>
+        <p:nvSpPr>
+          <p:cNvPr id="4" name="Rectangle 3"/>
+          <p:cNvSpPr/>
+          <p:nvPr/>
+        </p:nvSpPr>
+        <p:spPr>
+          <a:xfrm>
+            <a:off x="0" y="471054"/>
+            <a:ext cx="12192000" cy="1020139"/>
+          </a:xfrm>
+          <a:prstGeom prst="rect">
+            <a:avLst/>
+          </a:prstGeom>
+          <a:solidFill>
+            <a:schemeClr val="accent1">
+              <a:lumMod val="20000"/>
+              <a:lumOff val="80000"/>
+            </a:schemeClr>
+          </a:solidFill>
+          <a:ln>
+            <a:solidFill>
+              <a:schemeClr val="accent1">
+                <a:lumMod val="40000"/>
+                <a:lumOff val="60000"/>
+              </a:schemeClr>
+            </a:solidFill>
+          </a:ln>
+        </p:spPr>
+        <p:style>
+          <a:lnRef idx="2">
+            <a:schemeClr val="accent1">
+              <a:shade val="50000"/>
+            </a:schemeClr>
+          </a:lnRef>
+          <a:fillRef idx="1">
+            <a:schemeClr val="accent1"/>
+          </a:fillRef>
+          <a:effectRef idx="0">
+            <a:schemeClr val="accent1"/>
+          </a:effectRef>
+          <a:fontRef idx="minor">
+            <a:schemeClr val="lt1"/>
+          </a:fontRef>
+        </p:style>
+        <p:txBody>
+          <a:bodyPr rtlCol="0" anchor="ctr"/>
+          <a:lstStyle/>
+          <a:p>
+            <a:pPr algn="ctr"/>
+            <a:endParaRPr lang="fr-FR" dirty="0"/>
+          </a:p>
+        </p:txBody>
+      </p:sp>
+      <p:sp>
+        <p:nvSpPr>
+          <p:cNvPr id="2" name="Titre 1"/>
+          <p:cNvSpPr>
+            <a:spLocks noGrp="1"/>
+          </p:cNvSpPr>
+          <p:nvPr>
+            <p:ph type="title"/>
+          </p:nvPr>
+        </p:nvSpPr>
+        <p:spPr/>
+        <p:txBody>
+          <a:bodyPr/>
+          <a:lstStyle/>
+          <a:p>
+            <a:r>
+              <a:rPr lang="fr-FR" b="1" dirty="0"/>
+              <a:t>CONCLUSION</a:t>
+            </a:r>
+            <a:endParaRPr lang="fr-FR" dirty="0"/>
+          </a:p>
+        </p:txBody>
+      </p:sp>
+      <p:pic>
+        <p:nvPicPr>
+          <p:cNvPr id="14" name="Image 13" descr="Une image contenant objet&#10;&#10;Description générée avec un niveau de confiance élevé">
+            <a:extLst>
+              <a:ext uri="{FF2B5EF4-FFF2-40B4-BE49-F238E27FC236}">
+                <a16:creationId xmlns:a16="http://schemas.microsoft.com/office/drawing/2014/main" id="{E136E7D1-F350-413C-8C4F-354DB8B6CFC5}"/>
+              </a:ext>
+            </a:extLst>
+          </p:cNvPr>
+          <p:cNvPicPr>
+            <a:picLocks noChangeAspect="1"/>
+          </p:cNvPicPr>
+          <p:nvPr/>
+        </p:nvPicPr>
+        <p:blipFill>
+          <a:blip r:embed="rId2">
+            <a:extLst>
+              <a:ext uri="{28A0092B-C50C-407E-A947-70E740481C1C}">
+                <a14:useLocalDpi xmlns:a14="http://schemas.microsoft.com/office/drawing/2010/main" val="0"/>
+              </a:ext>
+            </a:extLst>
+          </a:blip>
+          <a:stretch>
+            <a:fillRect/>
+          </a:stretch>
+        </p:blipFill>
+        <p:spPr>
+          <a:xfrm>
+            <a:off x="7638757" y="1796617"/>
+            <a:ext cx="3048000" cy="4787900"/>
+          </a:xfrm>
+          <a:prstGeom prst="rect">
+            <a:avLst/>
+          </a:prstGeom>
+          <a:ln>
+            <a:noFill/>
+          </a:ln>
+          <a:effectLst>
+            <a:softEdge rad="112500"/>
+          </a:effectLst>
+        </p:spPr>
+      </p:pic>
+      <p:pic>
+        <p:nvPicPr>
+          <p:cNvPr id="16" name="Image 15">
+            <a:extLst>
+              <a:ext uri="{FF2B5EF4-FFF2-40B4-BE49-F238E27FC236}">
+                <a16:creationId xmlns:a16="http://schemas.microsoft.com/office/drawing/2014/main" id="{8C967E7B-DC9A-46C8-9161-FA51A007669F}"/>
+              </a:ext>
+            </a:extLst>
+          </p:cNvPr>
+          <p:cNvPicPr>
+            <a:picLocks noChangeAspect="1"/>
+          </p:cNvPicPr>
+          <p:nvPr/>
+        </p:nvPicPr>
+        <p:blipFill>
+          <a:blip r:embed="rId3">
+            <a:extLst>
+              <a:ext uri="{28A0092B-C50C-407E-A947-70E740481C1C}">
+                <a14:useLocalDpi xmlns:a14="http://schemas.microsoft.com/office/drawing/2010/main" val="0"/>
+              </a:ext>
+            </a:extLst>
+          </a:blip>
+          <a:stretch>
+            <a:fillRect/>
+          </a:stretch>
+        </p:blipFill>
+        <p:spPr>
+          <a:xfrm>
+            <a:off x="423595" y="2006600"/>
+            <a:ext cx="6807200" cy="2844800"/>
+          </a:xfrm>
+          <a:prstGeom prst="rect">
+            <a:avLst/>
+          </a:prstGeom>
+          <a:ln>
+            <a:noFill/>
+          </a:ln>
+          <a:effectLst>
+            <a:softEdge rad="112500"/>
+          </a:effectLst>
+        </p:spPr>
+      </p:pic>
+    </p:spTree>
+    <p:extLst>
+      <p:ext uri="{BB962C8B-B14F-4D97-AF65-F5344CB8AC3E}">
+        <p14:creationId xmlns:p14="http://schemas.microsoft.com/office/powerpoint/2010/main" val="1227553770"/>
+      </p:ext>
+    </p:extLst>
+  </p:cSld>
+  <p:clrMapOvr>
+    <a:masterClrMapping/>
+  </p:clrMapOvr>
+</p:sld>
+</file>
+
 <file path=ppt/slides/slide2.xml><?xml version="1.0" encoding="utf-8"?>
 <p:sld xmlns:a="http://schemas.openxmlformats.org/drawingml/2006/main" xmlns:r="http://schemas.openxmlformats.org/officeDocument/2006/relationships" xmlns:p="http://schemas.openxmlformats.org/presentationml/2006/main">
   <p:cSld>
@@ -14366,8 +14562,8 @@
         </p:nvSpPr>
         <p:spPr>
           <a:xfrm>
-            <a:off x="8465127" y="1862842"/>
-            <a:ext cx="3616036" cy="923330"/>
+            <a:off x="8575963" y="2019075"/>
+            <a:ext cx="2777837" cy="923330"/>
           </a:xfrm>
           <a:prstGeom prst="rect">
             <a:avLst/>
@@ -14386,12 +14582,9 @@
             </a:br>
             <a:r>
               <a:rPr lang="en-GB" b="1" dirty="0"/>
-              <a:t>Electric vehicles can reach it’s destination by this optimized route</a:t>
-            </a:r>
-            <a:r>
-              <a:rPr lang="en-GB" dirty="0"/>
-              <a:t> </a:t>
-            </a:r>
+              <a:t>Searching the optimized route for electric vehicles.</a:t>
+            </a:r>
+            <a:endParaRPr lang="en-GB" dirty="0"/>
           </a:p>
         </p:txBody>
       </p:sp>
@@ -14403,8 +14596,8 @@
         </p:nvSpPr>
         <p:spPr>
           <a:xfrm>
-            <a:off x="1602439" y="5332927"/>
-            <a:ext cx="1730326" cy="369332"/>
+            <a:off x="1069145" y="5332927"/>
+            <a:ext cx="2263620" cy="646331"/>
           </a:xfrm>
           <a:prstGeom prst="rect">
             <a:avLst/>
@@ -14419,7 +14612,7 @@
           <a:p>
             <a:r>
               <a:rPr lang="en-GB" b="1" dirty="0"/>
-              <a:t>Recharging time</a:t>
+              <a:t>Charging time and range anxiety</a:t>
             </a:r>
           </a:p>
         </p:txBody>
@@ -14629,7 +14822,9 @@
         </p:nvSpPr>
         <p:spPr/>
         <p:txBody>
-          <a:bodyPr/>
+          <a:bodyPr>
+            <a:normAutofit/>
+          </a:bodyPr>
           <a:lstStyle/>
           <a:p>
             <a:r>
@@ -14658,8 +14853,18 @@
             </a:r>
           </a:p>
           <a:p>
-            <a:pPr lvl="1"/>
-            <a:endParaRPr lang="en-GB" dirty="0"/>
+            <a:pPr lvl="2"/>
+            <a:r>
+              <a:rPr lang="en-GB" dirty="0"/>
+              <a:t>Parameters</a:t>
+            </a:r>
+          </a:p>
+          <a:p>
+            <a:pPr lvl="2"/>
+            <a:r>
+              <a:rPr lang="en-GB" dirty="0"/>
+              <a:t>Calculation method</a:t>
+            </a:r>
           </a:p>
           <a:p>
             <a:r>
@@ -14865,7 +15070,7 @@
           <p:nvPr>
             <p:extLst>
               <p:ext uri="{D42A27DB-BD31-4B8C-83A1-F6EECF244321}">
-                <p14:modId xmlns:p14="http://schemas.microsoft.com/office/powerpoint/2010/main" val="3394855349"/>
+                <p14:modId xmlns:p14="http://schemas.microsoft.com/office/powerpoint/2010/main" val="344127038"/>
               </p:ext>
             </p:extLst>
           </p:nvPr>
@@ -15106,7 +15311,7 @@
                 </a:spcAft>
               </a:pPr>
               <a:r>
-                <a:rPr lang="en-GB" sz="2100" kern="1200" dirty="0">
+                <a:rPr lang="en-GB" sz="2000" kern="1200" dirty="0">
                   <a:solidFill>
                     <a:schemeClr val="tx1"/>
                   </a:solidFill>
@@ -15212,7 +15417,7 @@
             </a:bodyPr>
             <a:lstStyle/>
             <a:p>
-              <a:pPr lvl="0" algn="ctr" defTabSz="933450">
+              <a:pPr algn="ctr" defTabSz="933450">
                 <a:lnSpc>
                   <a:spcPct val="90000"/>
                 </a:lnSpc>
@@ -15224,12 +15429,12 @@
                 </a:spcAft>
               </a:pPr>
               <a:r>
-                <a:rPr lang="en-GB" sz="2100" kern="1200" dirty="0">
+                <a:rPr lang="en-GB" sz="2000" dirty="0">
                   <a:solidFill>
                     <a:schemeClr val="tx1"/>
                   </a:solidFill>
                 </a:rPr>
-                <a:t>Simplification</a:t>
+                <a:t>Generate the database</a:t>
               </a:r>
             </a:p>
           </p:txBody>
@@ -15243,8 +15448,8 @@
         </p:nvSpPr>
         <p:spPr>
           <a:xfrm>
-            <a:off x="1201978" y="2125974"/>
-            <a:ext cx="5046422" cy="2031325"/>
+            <a:off x="860737" y="1850108"/>
+            <a:ext cx="5046422" cy="4154984"/>
           </a:xfrm>
           <a:prstGeom prst="rect">
             <a:avLst/>
@@ -15262,32 +15467,20 @@
               <a:buChar char="•"/>
             </a:pPr>
             <a:r>
-              <a:rPr lang="en-GB" dirty="0"/>
+              <a:rPr lang="en-GB" sz="2400" dirty="0"/>
               <a:t>Database</a:t>
             </a:r>
             <a:r>
-              <a:rPr lang="fr-FR" dirty="0"/>
+              <a:rPr lang="fr-FR" sz="2400" dirty="0"/>
               <a:t> backup.</a:t>
             </a:r>
-            <a:endParaRPr lang="en-GB" dirty="0"/>
           </a:p>
           <a:p>
             <a:pPr marL="285750" indent="-285750" algn="just">
               <a:buFont typeface="Arial" panose="020B0604020202020204" pitchFamily="34" charset="0"/>
               <a:buChar char="•"/>
             </a:pPr>
-            <a:r>
-              <a:rPr lang="en-GB" dirty="0"/>
-              <a:t>Add </a:t>
-            </a:r>
-            <a:r>
-              <a:rPr lang="en-GB" dirty="0" err="1"/>
-              <a:t>Eij</a:t>
-            </a:r>
-            <a:r>
-              <a:rPr lang="en-GB" dirty="0"/>
-              <a:t>, electrical energy coefficient for each road arc.</a:t>
-            </a:r>
+            <a:endParaRPr lang="en-GB" sz="2400" dirty="0"/>
           </a:p>
           <a:p>
             <a:pPr marL="285750" indent="-285750" algn="just">
@@ -15295,48 +15488,16 @@
               <a:buChar char="•"/>
             </a:pPr>
             <a:r>
-              <a:rPr lang="fr-FR" dirty="0" err="1"/>
-              <a:t>Add</a:t>
-            </a:r>
-            <a:r>
-              <a:rPr lang="fr-FR" dirty="0"/>
-              <a:t> </a:t>
-            </a:r>
-            <a:r>
-              <a:rPr lang="fr-FR" dirty="0" err="1"/>
-              <a:t>Tij</a:t>
-            </a:r>
-            <a:r>
-              <a:rPr lang="fr-FR" dirty="0"/>
-              <a:t>, time coefficient for </a:t>
-            </a:r>
-            <a:r>
-              <a:rPr lang="fr-FR" dirty="0" err="1"/>
-              <a:t>each</a:t>
-            </a:r>
-            <a:r>
-              <a:rPr lang="fr-FR" dirty="0"/>
-              <a:t> road arc (</a:t>
-            </a:r>
-            <a:r>
-              <a:rPr lang="fr-FR" dirty="0" err="1"/>
-              <a:t>traffic</a:t>
-            </a:r>
-            <a:r>
-              <a:rPr lang="fr-FR" dirty="0"/>
-              <a:t>, speed…)</a:t>
-            </a:r>
-            <a:endParaRPr lang="en-GB" dirty="0"/>
+              <a:rPr lang="en-GB" sz="2400" dirty="0"/>
+              <a:t>Electrical energy coefficient for each road arc.</a:t>
+            </a:r>
           </a:p>
           <a:p>
             <a:pPr marL="285750" indent="-285750" algn="just">
               <a:buFont typeface="Arial" panose="020B0604020202020204" pitchFamily="34" charset="0"/>
               <a:buChar char="•"/>
             </a:pPr>
-            <a:r>
-              <a:rPr lang="en-GB" dirty="0"/>
-              <a:t>Add charge time at each station.</a:t>
-            </a:r>
+            <a:endParaRPr lang="en-GB" sz="2400" dirty="0"/>
           </a:p>
           <a:p>
             <a:pPr marL="285750" indent="-285750" algn="just">
@@ -15344,123 +15505,59 @@
               <a:buChar char="•"/>
             </a:pPr>
             <a:r>
-              <a:rPr lang="en-GB" dirty="0"/>
-              <a:t>Update database</a:t>
-            </a:r>
-          </a:p>
-        </p:txBody>
-      </p:sp>
-      <p:cxnSp>
-        <p:nvCxnSpPr>
-          <p:cNvPr id="5" name="Connecteur : en arc 4">
-            <a:extLst>
-              <a:ext uri="{FF2B5EF4-FFF2-40B4-BE49-F238E27FC236}">
-                <a16:creationId xmlns:a16="http://schemas.microsoft.com/office/drawing/2014/main" id="{197F2EB6-8E31-4B3A-BA80-2A2AB2212A07}"/>
-              </a:ext>
-            </a:extLst>
-          </p:cNvPr>
-          <p:cNvCxnSpPr>
-            <a:cxnSpLocks/>
-          </p:cNvCxnSpPr>
-          <p:nvPr/>
-        </p:nvCxnSpPr>
-        <p:spPr>
-          <a:xfrm>
-            <a:off x="1329495" y="4792080"/>
-            <a:ext cx="4922186" cy="1214825"/>
-          </a:xfrm>
-          <a:prstGeom prst="curvedConnector3">
-            <a:avLst/>
-          </a:prstGeom>
-          <a:ln>
-            <a:headEnd type="triangle"/>
-            <a:tailEnd type="triangle"/>
-          </a:ln>
-        </p:spPr>
-        <p:style>
-          <a:lnRef idx="3">
-            <a:schemeClr val="accent5"/>
-          </a:lnRef>
-          <a:fillRef idx="0">
-            <a:schemeClr val="accent5"/>
-          </a:fillRef>
-          <a:effectRef idx="2">
-            <a:schemeClr val="accent5"/>
-          </a:effectRef>
-          <a:fontRef idx="minor">
-            <a:schemeClr val="tx1"/>
-          </a:fontRef>
-        </p:style>
-      </p:cxnSp>
-      <p:sp>
-        <p:nvSpPr>
-          <p:cNvPr id="10" name="ZoneTexte 9">
-            <a:extLst>
-              <a:ext uri="{FF2B5EF4-FFF2-40B4-BE49-F238E27FC236}">
-                <a16:creationId xmlns:a16="http://schemas.microsoft.com/office/drawing/2014/main" id="{F1C55BCD-2FE3-43D5-879A-8C589E830D03}"/>
-              </a:ext>
-            </a:extLst>
-          </p:cNvPr>
-          <p:cNvSpPr txBox="1"/>
-          <p:nvPr/>
-        </p:nvSpPr>
-        <p:spPr>
-          <a:xfrm>
-            <a:off x="2641007" y="5162843"/>
-            <a:ext cx="819425" cy="369332"/>
-          </a:xfrm>
-          <a:prstGeom prst="rect">
-            <a:avLst/>
-          </a:prstGeom>
-          <a:noFill/>
-        </p:spPr>
-        <p:txBody>
-          <a:bodyPr wrap="square" rtlCol="0">
-            <a:spAutoFit/>
-          </a:bodyPr>
-          <a:lstStyle/>
-          <a:p>
-            <a:r>
-              <a:rPr lang="fr-FR" dirty="0" err="1"/>
-              <a:t>Tij</a:t>
-            </a:r>
-            <a:endParaRPr lang="fr-FR" dirty="0"/>
-          </a:p>
-        </p:txBody>
-      </p:sp>
-      <p:sp>
-        <p:nvSpPr>
-          <p:cNvPr id="20" name="ZoneTexte 19">
-            <a:extLst>
-              <a:ext uri="{FF2B5EF4-FFF2-40B4-BE49-F238E27FC236}">
-                <a16:creationId xmlns:a16="http://schemas.microsoft.com/office/drawing/2014/main" id="{6C86E5B7-F6DE-451E-8A4E-7EAD6F7A6DEB}"/>
-              </a:ext>
-            </a:extLst>
-          </p:cNvPr>
-          <p:cNvSpPr txBox="1"/>
-          <p:nvPr/>
-        </p:nvSpPr>
-        <p:spPr>
-          <a:xfrm>
-            <a:off x="4279859" y="5214826"/>
-            <a:ext cx="819425" cy="369332"/>
-          </a:xfrm>
-          <a:prstGeom prst="rect">
-            <a:avLst/>
-          </a:prstGeom>
-          <a:noFill/>
-        </p:spPr>
-        <p:txBody>
-          <a:bodyPr wrap="square" rtlCol="0">
-            <a:spAutoFit/>
-          </a:bodyPr>
-          <a:lstStyle/>
-          <a:p>
-            <a:r>
-              <a:rPr lang="fr-FR" dirty="0" err="1"/>
-              <a:t>Eij</a:t>
-            </a:r>
-            <a:endParaRPr lang="fr-FR" dirty="0"/>
+              <a:rPr lang="fr-FR" sz="2400" dirty="0"/>
+              <a:t>Time coefficient for </a:t>
+            </a:r>
+            <a:r>
+              <a:rPr lang="fr-FR" sz="2400" dirty="0" err="1"/>
+              <a:t>each</a:t>
+            </a:r>
+            <a:r>
+              <a:rPr lang="fr-FR" sz="2400" dirty="0"/>
+              <a:t> road arc (</a:t>
+            </a:r>
+            <a:r>
+              <a:rPr lang="fr-FR" sz="2400" dirty="0" err="1"/>
+              <a:t>traffic</a:t>
+            </a:r>
+            <a:r>
+              <a:rPr lang="fr-FR" sz="2400" dirty="0"/>
+              <a:t>, speed…)</a:t>
+            </a:r>
+          </a:p>
+          <a:p>
+            <a:pPr marL="285750" indent="-285750" algn="just">
+              <a:buFont typeface="Arial" panose="020B0604020202020204" pitchFamily="34" charset="0"/>
+              <a:buChar char="•"/>
+            </a:pPr>
+            <a:endParaRPr lang="en-GB" sz="2400" dirty="0"/>
+          </a:p>
+          <a:p>
+            <a:pPr marL="285750" indent="-285750" algn="just">
+              <a:buFont typeface="Arial" panose="020B0604020202020204" pitchFamily="34" charset="0"/>
+              <a:buChar char="•"/>
+            </a:pPr>
+            <a:r>
+              <a:rPr lang="en-GB" sz="2400" dirty="0"/>
+              <a:t>Charge time at each station</a:t>
+            </a:r>
+          </a:p>
+          <a:p>
+            <a:pPr marL="285750" indent="-285750" algn="just">
+              <a:buFont typeface="Arial" panose="020B0604020202020204" pitchFamily="34" charset="0"/>
+              <a:buChar char="•"/>
+            </a:pPr>
+            <a:endParaRPr lang="en-GB" sz="2400" dirty="0"/>
+          </a:p>
+          <a:p>
+            <a:pPr marL="285750" indent="-285750" algn="just">
+              <a:buFont typeface="Arial" panose="020B0604020202020204" pitchFamily="34" charset="0"/>
+              <a:buChar char="•"/>
+            </a:pPr>
+            <a:r>
+              <a:rPr lang="en-GB" sz="2400" dirty="0"/>
+              <a:t>Database update</a:t>
+            </a:r>
           </a:p>
         </p:txBody>
       </p:sp>
@@ -15601,7 +15698,7 @@
                 </a:spcAft>
               </a:pPr>
               <a:r>
-                <a:rPr lang="en-GB" sz="2100" kern="1200" dirty="0">
+                <a:rPr lang="en-GB" sz="2000" kern="1200" dirty="0">
                   <a:solidFill>
                     <a:schemeClr val="tx1"/>
                   </a:solidFill>
@@ -15719,7 +15816,7 @@
                 </a:spcAft>
               </a:pPr>
               <a:r>
-                <a:rPr lang="en-GB" sz="2100" kern="1200" dirty="0">
+                <a:rPr lang="en-GB" sz="2000" kern="1200" dirty="0">
                   <a:solidFill>
                     <a:schemeClr val="tx1"/>
                   </a:solidFill>
@@ -15763,24 +15860,12 @@
               <a:buChar char="•"/>
             </a:pPr>
             <a:r>
-              <a:rPr lang="fr-FR" sz="2400" dirty="0" err="1"/>
-              <a:t>Starting</a:t>
-            </a:r>
-            <a:r>
-              <a:rPr lang="fr-FR" sz="2400" dirty="0"/>
-              <a:t> and </a:t>
-            </a:r>
-            <a:r>
-              <a:rPr lang="fr-FR" sz="2400" dirty="0" err="1"/>
-              <a:t>arriving</a:t>
-            </a:r>
-            <a:r>
-              <a:rPr lang="fr-FR" sz="2400" dirty="0"/>
-              <a:t> points</a:t>
-            </a:r>
-          </a:p>
-          <a:p>
-            <a:endParaRPr lang="fr-FR" sz="2400" dirty="0"/>
+              <a:rPr lang="en-GB" sz="2400" dirty="0"/>
+              <a:t>Starting and arriving points</a:t>
+            </a:r>
+          </a:p>
+          <a:p>
+            <a:endParaRPr lang="en-GB" sz="2400" dirty="0"/>
           </a:p>
           <a:p>
             <a:pPr marL="285750" indent="-285750">
@@ -15788,29 +15873,12 @@
               <a:buChar char="•"/>
             </a:pPr>
             <a:r>
-              <a:rPr lang="fr-FR" sz="2400" dirty="0" err="1"/>
-              <a:t>Starting</a:t>
-            </a:r>
-            <a:r>
-              <a:rPr lang="fr-FR" sz="2400" dirty="0"/>
-              <a:t> and </a:t>
-            </a:r>
-            <a:r>
-              <a:rPr lang="fr-FR" sz="2400" dirty="0" err="1"/>
-              <a:t>arriving</a:t>
-            </a:r>
-            <a:r>
-              <a:rPr lang="fr-FR" sz="2400" dirty="0"/>
-              <a:t> </a:t>
-            </a:r>
-            <a:r>
-              <a:rPr lang="fr-FR" sz="2400" dirty="0" err="1"/>
-              <a:t>energy</a:t>
-            </a:r>
-            <a:endParaRPr lang="fr-FR" sz="2400" dirty="0"/>
-          </a:p>
-          <a:p>
-            <a:endParaRPr lang="fr-FR" sz="2400" dirty="0"/>
+              <a:rPr lang="en-GB" sz="2400" dirty="0"/>
+              <a:t>Starting and arriving energy</a:t>
+            </a:r>
+          </a:p>
+          <a:p>
+            <a:endParaRPr lang="en-GB" sz="2400" dirty="0"/>
           </a:p>
           <a:p>
             <a:pPr marL="285750" indent="-285750">
@@ -15818,29 +15886,12 @@
               <a:buChar char="•"/>
             </a:pPr>
             <a:r>
-              <a:rPr lang="fr-FR" sz="2400" dirty="0" err="1"/>
-              <a:t>Vehicule’s</a:t>
-            </a:r>
-            <a:r>
-              <a:rPr lang="fr-FR" sz="2400" dirty="0"/>
-              <a:t> </a:t>
-            </a:r>
-            <a:r>
-              <a:rPr lang="fr-FR" sz="2400" dirty="0" err="1"/>
-              <a:t>battery</a:t>
-            </a:r>
-            <a:r>
-              <a:rPr lang="fr-FR" sz="2400" dirty="0"/>
-              <a:t> </a:t>
-            </a:r>
-            <a:r>
-              <a:rPr lang="fr-FR" sz="2400" dirty="0" err="1"/>
-              <a:t>capacity</a:t>
-            </a:r>
-            <a:endParaRPr lang="fr-FR" sz="2400" dirty="0"/>
-          </a:p>
-          <a:p>
-            <a:endParaRPr lang="fr-FR" sz="2400" dirty="0"/>
+              <a:rPr lang="en-GB" sz="2400" dirty="0"/>
+              <a:t>Vehicles battery capacity</a:t>
+            </a:r>
+          </a:p>
+          <a:p>
+            <a:endParaRPr lang="en-GB" sz="2400" dirty="0"/>
           </a:p>
           <a:p>
             <a:pPr marL="285750" indent="-285750">
@@ -15848,37 +15899,12 @@
               <a:buChar char="•"/>
             </a:pPr>
             <a:r>
-              <a:rPr lang="fr-FR" sz="2400" dirty="0" err="1"/>
-              <a:t>Travel</a:t>
-            </a:r>
-            <a:r>
-              <a:rPr lang="fr-FR" sz="2400" dirty="0"/>
-              <a:t> time and </a:t>
-            </a:r>
-            <a:r>
-              <a:rPr lang="fr-FR" sz="2400" dirty="0" err="1"/>
-              <a:t>energy</a:t>
-            </a:r>
-            <a:r>
-              <a:rPr lang="fr-FR" sz="2400" dirty="0"/>
-              <a:t> </a:t>
-            </a:r>
-            <a:r>
-              <a:rPr lang="fr-FR" sz="2400" dirty="0" err="1"/>
-              <a:t>consumption</a:t>
-            </a:r>
-            <a:r>
-              <a:rPr lang="fr-FR" sz="2400" dirty="0"/>
-              <a:t> of the </a:t>
-            </a:r>
-            <a:r>
-              <a:rPr lang="fr-FR" sz="2400" dirty="0" err="1"/>
-              <a:t>roads</a:t>
-            </a:r>
-            <a:endParaRPr lang="fr-FR" sz="2400" dirty="0"/>
-          </a:p>
-          <a:p>
-            <a:endParaRPr lang="fr-FR" sz="2400" dirty="0"/>
+              <a:rPr lang="en-GB" sz="2400" dirty="0"/>
+              <a:t>Travel time and energy consumption of the roads</a:t>
+            </a:r>
+          </a:p>
+          <a:p>
+            <a:endParaRPr lang="en-GB" sz="2400" dirty="0"/>
           </a:p>
           <a:p>
             <a:pPr marL="285750" indent="-285750">
@@ -15886,12 +15912,8 @@
               <a:buChar char="•"/>
             </a:pPr>
             <a:r>
-              <a:rPr lang="fr-FR" sz="2400" dirty="0" err="1"/>
-              <a:t>Number</a:t>
-            </a:r>
-            <a:r>
-              <a:rPr lang="fr-FR" sz="2400" dirty="0"/>
-              <a:t> of stations </a:t>
+              <a:rPr lang="en-GB" sz="2400" dirty="0"/>
+              <a:t>Number of stations </a:t>
             </a:r>
           </a:p>
         </p:txBody>
@@ -16075,7 +16097,7 @@
                 </a:spcAft>
               </a:pPr>
               <a:r>
-                <a:rPr lang="en-GB" sz="2100" kern="1200" dirty="0">
+                <a:rPr lang="en-GB" sz="2000" kern="1200" dirty="0">
                   <a:solidFill>
                     <a:schemeClr val="tx1"/>
                   </a:solidFill>
@@ -16193,7 +16215,7 @@
                 </a:spcAft>
               </a:pPr>
               <a:r>
-                <a:rPr lang="en-GB" sz="2100" kern="1200" dirty="0">
+                <a:rPr lang="en-GB" sz="2000" kern="1200" dirty="0">
                   <a:solidFill>
                     <a:schemeClr val="tx1"/>
                   </a:solidFill>
@@ -16237,12 +16259,8 @@
               <a:buChar char="•"/>
             </a:pPr>
             <a:r>
-              <a:rPr lang="fr-FR" sz="2400" dirty="0" err="1"/>
-              <a:t>Find</a:t>
-            </a:r>
-            <a:r>
-              <a:rPr lang="fr-FR" sz="2400" dirty="0"/>
-              <a:t> the best stations</a:t>
+              <a:rPr lang="en-GB" sz="2400" dirty="0"/>
+              <a:t>Find the best stations</a:t>
             </a:r>
           </a:p>
           <a:p>
@@ -16254,44 +16272,8 @@
               <a:buChar char="•"/>
             </a:pPr>
             <a:r>
-              <a:rPr lang="fr-FR" sz="2400" dirty="0" err="1"/>
-              <a:t>Determine</a:t>
-            </a:r>
-            <a:r>
-              <a:rPr lang="fr-FR" sz="2400" dirty="0"/>
-              <a:t> the best </a:t>
-            </a:r>
-            <a:r>
-              <a:rPr lang="fr-FR" sz="2400" dirty="0" err="1"/>
-              <a:t>itineraries</a:t>
-            </a:r>
-            <a:r>
-              <a:rPr lang="fr-FR" sz="2400" dirty="0"/>
-              <a:t> </a:t>
-            </a:r>
-            <a:r>
-              <a:rPr lang="fr-FR" sz="2400" dirty="0" err="1"/>
-              <a:t>going</a:t>
-            </a:r>
-            <a:r>
-              <a:rPr lang="fr-FR" sz="2400" dirty="0"/>
-              <a:t> </a:t>
-            </a:r>
-            <a:r>
-              <a:rPr lang="fr-FR" sz="2400" dirty="0" err="1"/>
-              <a:t>through</a:t>
-            </a:r>
-            <a:r>
-              <a:rPr lang="fr-FR" sz="2400" dirty="0"/>
-              <a:t> </a:t>
-            </a:r>
-            <a:r>
-              <a:rPr lang="fr-FR" sz="2400" dirty="0" err="1"/>
-              <a:t>these</a:t>
-            </a:r>
-            <a:r>
-              <a:rPr lang="fr-FR" sz="2400" dirty="0"/>
-              <a:t> stations</a:t>
+              <a:rPr lang="en-GB" sz="2400" dirty="0"/>
+              <a:t>Determine the best itineraries going through these stations</a:t>
             </a:r>
           </a:p>
           <a:p>
@@ -16303,44 +16285,8 @@
               <a:buChar char="•"/>
             </a:pPr>
             <a:r>
-              <a:rPr lang="fr-FR" sz="2400" dirty="0" err="1"/>
-              <a:t>Choose</a:t>
-            </a:r>
-            <a:r>
-              <a:rPr lang="fr-FR" sz="2400" dirty="0"/>
-              <a:t> the </a:t>
-            </a:r>
-            <a:r>
-              <a:rPr lang="fr-FR" sz="2400" dirty="0" err="1"/>
-              <a:t>itinerary</a:t>
-            </a:r>
-            <a:r>
-              <a:rPr lang="fr-FR" sz="2400" dirty="0"/>
-              <a:t> </a:t>
-            </a:r>
-            <a:r>
-              <a:rPr lang="fr-FR" sz="2400" dirty="0" err="1"/>
-              <a:t>with</a:t>
-            </a:r>
-            <a:r>
-              <a:rPr lang="fr-FR" sz="2400" dirty="0"/>
-              <a:t> the </a:t>
-            </a:r>
-            <a:r>
-              <a:rPr lang="fr-FR" sz="2400" dirty="0" err="1"/>
-              <a:t>lowest</a:t>
-            </a:r>
-            <a:r>
-              <a:rPr lang="fr-FR" sz="2400" dirty="0"/>
-              <a:t> </a:t>
-            </a:r>
-            <a:r>
-              <a:rPr lang="fr-FR" sz="2400" dirty="0" err="1"/>
-              <a:t>travel</a:t>
-            </a:r>
-            <a:r>
-              <a:rPr lang="fr-FR" sz="2400" dirty="0"/>
-              <a:t> time</a:t>
+              <a:rPr lang="en-GB" sz="2400" dirty="0"/>
+              <a:t>Choose the itinerary with the lowest travel time</a:t>
             </a:r>
           </a:p>
         </p:txBody>
@@ -16401,6 +16347,234 @@
 </file>
 
 <file path=ppt/slides/slide8.xml><?xml version="1.0" encoding="utf-8"?>
+<p:sld xmlns:a="http://schemas.openxmlformats.org/drawingml/2006/main" xmlns:r="http://schemas.openxmlformats.org/officeDocument/2006/relationships" xmlns:p="http://schemas.openxmlformats.org/presentationml/2006/main">
+  <p:cSld>
+    <p:spTree>
+      <p:nvGrpSpPr>
+        <p:cNvPr id="1" name=""/>
+        <p:cNvGrpSpPr/>
+        <p:nvPr/>
+      </p:nvGrpSpPr>
+      <p:grpSpPr>
+        <a:xfrm>
+          <a:off x="0" y="0"/>
+          <a:ext cx="0" cy="0"/>
+          <a:chOff x="0" y="0"/>
+          <a:chExt cx="0" cy="0"/>
+        </a:xfrm>
+      </p:grpSpPr>
+      <p:grpSp>
+        <p:nvGrpSpPr>
+          <p:cNvPr id="4" name="Groupe 3">
+            <a:extLst>
+              <a:ext uri="{FF2B5EF4-FFF2-40B4-BE49-F238E27FC236}">
+                <a16:creationId xmlns:a16="http://schemas.microsoft.com/office/drawing/2014/main" id="{2E727342-4358-49C6-AFF1-9C75AEC68CDB}"/>
+              </a:ext>
+            </a:extLst>
+          </p:cNvPr>
+          <p:cNvGrpSpPr/>
+          <p:nvPr/>
+        </p:nvGrpSpPr>
+        <p:grpSpPr>
+          <a:xfrm>
+            <a:off x="0" y="471054"/>
+            <a:ext cx="2658991" cy="1020139"/>
+            <a:chOff x="0" y="0"/>
+            <a:chExt cx="2658991" cy="1020139"/>
+          </a:xfrm>
+        </p:grpSpPr>
+        <p:sp>
+          <p:nvSpPr>
+            <p:cNvPr id="5" name="Pentagone 24">
+              <a:extLst>
+                <a:ext uri="{FF2B5EF4-FFF2-40B4-BE49-F238E27FC236}">
+                  <a16:creationId xmlns:a16="http://schemas.microsoft.com/office/drawing/2014/main" id="{1FE9D4A1-40F4-4FA2-8865-79DAC48F2A6A}"/>
+                </a:ext>
+              </a:extLst>
+            </p:cNvPr>
+            <p:cNvSpPr/>
+            <p:nvPr/>
+          </p:nvSpPr>
+          <p:spPr>
+            <a:xfrm>
+              <a:off x="0" y="0"/>
+              <a:ext cx="2658991" cy="1020139"/>
+            </a:xfrm>
+            <a:prstGeom prst="homePlate">
+              <a:avLst/>
+            </a:prstGeom>
+            <a:solidFill>
+              <a:schemeClr val="accent1">
+                <a:lumMod val="20000"/>
+                <a:lumOff val="80000"/>
+              </a:schemeClr>
+            </a:solidFill>
+          </p:spPr>
+          <p:style>
+            <a:lnRef idx="2">
+              <a:schemeClr val="lt1">
+                <a:hueOff val="0"/>
+                <a:satOff val="0"/>
+                <a:lumOff val="0"/>
+                <a:alphaOff val="0"/>
+              </a:schemeClr>
+            </a:lnRef>
+            <a:fillRef idx="1">
+              <a:scrgbClr r="0" g="0" b="0"/>
+            </a:fillRef>
+            <a:effectRef idx="0">
+              <a:schemeClr val="accent1">
+                <a:hueOff val="0"/>
+                <a:satOff val="0"/>
+                <a:lumOff val="0"/>
+                <a:alphaOff val="0"/>
+              </a:schemeClr>
+            </a:effectRef>
+            <a:fontRef idx="minor">
+              <a:schemeClr val="lt1"/>
+            </a:fontRef>
+          </p:style>
+        </p:sp>
+        <p:sp>
+          <p:nvSpPr>
+            <p:cNvPr id="6" name="Pentagone 4">
+              <a:extLst>
+                <a:ext uri="{FF2B5EF4-FFF2-40B4-BE49-F238E27FC236}">
+                  <a16:creationId xmlns:a16="http://schemas.microsoft.com/office/drawing/2014/main" id="{0D0B2E60-DF31-4B99-B59C-B1FBC548FF75}"/>
+                </a:ext>
+              </a:extLst>
+            </p:cNvPr>
+            <p:cNvSpPr txBox="1"/>
+            <p:nvPr/>
+          </p:nvSpPr>
+          <p:spPr>
+            <a:xfrm>
+              <a:off x="0" y="0"/>
+              <a:ext cx="2403956" cy="1020139"/>
+            </a:xfrm>
+            <a:prstGeom prst="rect">
+              <a:avLst/>
+            </a:prstGeom>
+          </p:spPr>
+          <p:style>
+            <a:lnRef idx="0">
+              <a:scrgbClr r="0" g="0" b="0"/>
+            </a:lnRef>
+            <a:fillRef idx="0">
+              <a:scrgbClr r="0" g="0" b="0"/>
+            </a:fillRef>
+            <a:effectRef idx="0">
+              <a:scrgbClr r="0" g="0" b="0"/>
+            </a:effectRef>
+            <a:fontRef idx="minor">
+              <a:schemeClr val="lt1"/>
+            </a:fontRef>
+          </p:style>
+          <p:txBody>
+            <a:bodyPr spcFirstLastPara="0" vert="horz" wrap="square" lIns="112014" tIns="56007" rIns="28004" bIns="56007" numCol="1" spcCol="1270" anchor="ctr" anchorCtr="0">
+              <a:noAutofit/>
+            </a:bodyPr>
+            <a:lstStyle/>
+            <a:p>
+              <a:pPr algn="ctr"/>
+              <a:r>
+                <a:rPr lang="en-GB" sz="2000" dirty="0">
+                  <a:solidFill>
+                    <a:schemeClr val="tx1"/>
+                  </a:solidFill>
+                </a:rPr>
+                <a:t>Display the map in a site</a:t>
+              </a:r>
+            </a:p>
+          </p:txBody>
+        </p:sp>
+      </p:grpSp>
+      <p:pic>
+        <p:nvPicPr>
+          <p:cNvPr id="18" name="Image 17">
+            <a:extLst>
+              <a:ext uri="{FF2B5EF4-FFF2-40B4-BE49-F238E27FC236}">
+                <a16:creationId xmlns:a16="http://schemas.microsoft.com/office/drawing/2014/main" id="{D5479EA0-C830-4222-849B-1772A3539E0F}"/>
+              </a:ext>
+            </a:extLst>
+          </p:cNvPr>
+          <p:cNvPicPr>
+            <a:picLocks noChangeAspect="1"/>
+          </p:cNvPicPr>
+          <p:nvPr/>
+        </p:nvPicPr>
+        <p:blipFill>
+          <a:blip r:embed="rId2">
+            <a:extLst>
+              <a:ext uri="{28A0092B-C50C-407E-A947-70E740481C1C}">
+                <a14:useLocalDpi xmlns:a14="http://schemas.microsoft.com/office/drawing/2010/main" val="0"/>
+              </a:ext>
+            </a:extLst>
+          </a:blip>
+          <a:stretch>
+            <a:fillRect/>
+          </a:stretch>
+        </p:blipFill>
+        <p:spPr>
+          <a:xfrm>
+            <a:off x="473021" y="2674189"/>
+            <a:ext cx="6794121" cy="3819828"/>
+          </a:xfrm>
+          <a:prstGeom prst="rect">
+            <a:avLst/>
+          </a:prstGeom>
+        </p:spPr>
+      </p:pic>
+      <p:pic>
+        <p:nvPicPr>
+          <p:cNvPr id="15" name="Image 14">
+            <a:extLst>
+              <a:ext uri="{FF2B5EF4-FFF2-40B4-BE49-F238E27FC236}">
+                <a16:creationId xmlns:a16="http://schemas.microsoft.com/office/drawing/2014/main" id="{49FDC0A9-1E4E-4067-B018-D24F91854A40}"/>
+              </a:ext>
+            </a:extLst>
+          </p:cNvPr>
+          <p:cNvPicPr>
+            <a:picLocks noChangeAspect="1"/>
+          </p:cNvPicPr>
+          <p:nvPr/>
+        </p:nvPicPr>
+        <p:blipFill>
+          <a:blip r:embed="rId3">
+            <a:extLst>
+              <a:ext uri="{28A0092B-C50C-407E-A947-70E740481C1C}">
+                <a14:useLocalDpi xmlns:a14="http://schemas.microsoft.com/office/drawing/2010/main" val="0"/>
+              </a:ext>
+            </a:extLst>
+          </a:blip>
+          <a:stretch>
+            <a:fillRect/>
+          </a:stretch>
+        </p:blipFill>
+        <p:spPr>
+          <a:xfrm>
+            <a:off x="5081172" y="471054"/>
+            <a:ext cx="6529984" cy="3671324"/>
+          </a:xfrm>
+          <a:prstGeom prst="rect">
+            <a:avLst/>
+          </a:prstGeom>
+        </p:spPr>
+      </p:pic>
+    </p:spTree>
+    <p:extLst>
+      <p:ext uri="{BB962C8B-B14F-4D97-AF65-F5344CB8AC3E}">
+        <p14:creationId xmlns:p14="http://schemas.microsoft.com/office/powerpoint/2010/main" val="1379645045"/>
+      </p:ext>
+    </p:extLst>
+  </p:cSld>
+  <p:clrMapOvr>
+    <a:masterClrMapping/>
+  </p:clrMapOvr>
+</p:sld>
+</file>
+
+<file path=ppt/slides/slide9.xml><?xml version="1.0" encoding="utf-8"?>
 <p:sld xmlns:a="http://schemas.openxmlformats.org/drawingml/2006/main" xmlns:r="http://schemas.openxmlformats.org/officeDocument/2006/relationships" xmlns:p="http://schemas.openxmlformats.org/presentationml/2006/main">
   <p:cSld>
     <p:spTree>
@@ -16524,7 +16698,7 @@
                 </a:spcAft>
               </a:pPr>
               <a:r>
-                <a:rPr lang="en-GB" sz="2100" kern="1200" dirty="0">
+                <a:rPr lang="en-GB" sz="2000" kern="1200" dirty="0">
                   <a:solidFill>
                     <a:schemeClr val="tx1"/>
                   </a:solidFill>
@@ -16564,16 +16738,8 @@
           <a:lstStyle/>
           <a:p>
             <a:r>
-              <a:rPr lang="fr-FR" dirty="0"/>
-              <a:t>High </a:t>
-            </a:r>
-            <a:r>
-              <a:rPr lang="fr-FR" dirty="0" err="1"/>
-              <a:t>response</a:t>
-            </a:r>
-            <a:r>
-              <a:rPr lang="fr-FR" dirty="0"/>
-              <a:t> time due to the:</a:t>
+              <a:rPr lang="en-GB" dirty="0"/>
+              <a:t>High response time due to the:</a:t>
             </a:r>
           </a:p>
           <a:p>
@@ -16582,28 +16748,8 @@
               <a:buChar char="•"/>
             </a:pPr>
             <a:r>
-              <a:rPr lang="fr-FR" dirty="0" err="1"/>
-              <a:t>Implementation</a:t>
-            </a:r>
-            <a:r>
-              <a:rPr lang="fr-FR" dirty="0"/>
-              <a:t> </a:t>
-            </a:r>
-            <a:r>
-              <a:rPr lang="fr-FR" dirty="0" err="1"/>
-              <a:t>method</a:t>
-            </a:r>
-            <a:r>
-              <a:rPr lang="fr-FR" dirty="0"/>
-              <a:t> </a:t>
-            </a:r>
-            <a:r>
-              <a:rPr lang="fr-FR" dirty="0" err="1"/>
-              <a:t>used</a:t>
-            </a:r>
-            <a:r>
-              <a:rPr lang="fr-FR" dirty="0"/>
-              <a:t>  in the program</a:t>
+              <a:rPr lang="en-GB" dirty="0"/>
+              <a:t>Implementation method used  in the program</a:t>
             </a:r>
           </a:p>
           <a:p>
@@ -16612,26 +16758,9 @@
               <a:buChar char="•"/>
             </a:pPr>
             <a:r>
-              <a:rPr lang="fr-FR" dirty="0" err="1"/>
-              <a:t>Huge</a:t>
-            </a:r>
-            <a:r>
-              <a:rPr lang="fr-FR" dirty="0"/>
-              <a:t> </a:t>
-            </a:r>
-            <a:r>
-              <a:rPr lang="fr-FR" dirty="0" err="1"/>
-              <a:t>amount</a:t>
-            </a:r>
-            <a:r>
-              <a:rPr lang="fr-FR" dirty="0"/>
-              <a:t> of data to </a:t>
-            </a:r>
-            <a:r>
-              <a:rPr lang="fr-FR" dirty="0" err="1"/>
-              <a:t>treat</a:t>
-            </a:r>
-            <a:endParaRPr lang="fr-FR" dirty="0"/>
+              <a:rPr lang="en-GB" dirty="0"/>
+              <a:t>Huge amount of data to treat</a:t>
+            </a:r>
           </a:p>
         </p:txBody>
       </p:sp>
@@ -16722,197 +16851,6 @@
     <p:extLst>
       <p:ext uri="{BB962C8B-B14F-4D97-AF65-F5344CB8AC3E}">
         <p14:creationId xmlns:p14="http://schemas.microsoft.com/office/powerpoint/2010/main" val="3904823345"/>
-      </p:ext>
-    </p:extLst>
-  </p:cSld>
-  <p:clrMapOvr>
-    <a:masterClrMapping/>
-  </p:clrMapOvr>
-</p:sld>
-</file>
-
-<file path=ppt/slides/slide9.xml><?xml version="1.0" encoding="utf-8"?>
-<p:sld xmlns:a="http://schemas.openxmlformats.org/drawingml/2006/main" xmlns:r="http://schemas.openxmlformats.org/officeDocument/2006/relationships" xmlns:p="http://schemas.openxmlformats.org/presentationml/2006/main">
-  <p:cSld>
-    <p:spTree>
-      <p:nvGrpSpPr>
-        <p:cNvPr id="1" name=""/>
-        <p:cNvGrpSpPr/>
-        <p:nvPr/>
-      </p:nvGrpSpPr>
-      <p:grpSpPr>
-        <a:xfrm>
-          <a:off x="0" y="0"/>
-          <a:ext cx="0" cy="0"/>
-          <a:chOff x="0" y="0"/>
-          <a:chExt cx="0" cy="0"/>
-        </a:xfrm>
-      </p:grpSpPr>
-      <p:sp>
-        <p:nvSpPr>
-          <p:cNvPr id="4" name="Rectangle 3"/>
-          <p:cNvSpPr/>
-          <p:nvPr/>
-        </p:nvSpPr>
-        <p:spPr>
-          <a:xfrm>
-            <a:off x="0" y="471054"/>
-            <a:ext cx="12192000" cy="1020139"/>
-          </a:xfrm>
-          <a:prstGeom prst="rect">
-            <a:avLst/>
-          </a:prstGeom>
-          <a:solidFill>
-            <a:schemeClr val="accent1">
-              <a:lumMod val="20000"/>
-              <a:lumOff val="80000"/>
-            </a:schemeClr>
-          </a:solidFill>
-          <a:ln>
-            <a:solidFill>
-              <a:schemeClr val="accent1">
-                <a:lumMod val="40000"/>
-                <a:lumOff val="60000"/>
-              </a:schemeClr>
-            </a:solidFill>
-          </a:ln>
-        </p:spPr>
-        <p:style>
-          <a:lnRef idx="2">
-            <a:schemeClr val="accent1">
-              <a:shade val="50000"/>
-            </a:schemeClr>
-          </a:lnRef>
-          <a:fillRef idx="1">
-            <a:schemeClr val="accent1"/>
-          </a:fillRef>
-          <a:effectRef idx="0">
-            <a:schemeClr val="accent1"/>
-          </a:effectRef>
-          <a:fontRef idx="minor">
-            <a:schemeClr val="lt1"/>
-          </a:fontRef>
-        </p:style>
-        <p:txBody>
-          <a:bodyPr rtlCol="0" anchor="ctr"/>
-          <a:lstStyle/>
-          <a:p>
-            <a:pPr algn="ctr"/>
-            <a:endParaRPr lang="fr-FR" dirty="0"/>
-          </a:p>
-        </p:txBody>
-      </p:sp>
-      <p:sp>
-        <p:nvSpPr>
-          <p:cNvPr id="2" name="Titre 1"/>
-          <p:cNvSpPr>
-            <a:spLocks noGrp="1"/>
-          </p:cNvSpPr>
-          <p:nvPr>
-            <p:ph type="title"/>
-          </p:nvPr>
-        </p:nvSpPr>
-        <p:spPr/>
-        <p:txBody>
-          <a:bodyPr/>
-          <a:lstStyle/>
-          <a:p>
-            <a:r>
-              <a:rPr lang="fr-FR" b="1" dirty="0"/>
-              <a:t>CONCLUSION</a:t>
-            </a:r>
-            <a:endParaRPr lang="fr-FR" dirty="0"/>
-          </a:p>
-        </p:txBody>
-      </p:sp>
-      <p:pic>
-        <p:nvPicPr>
-          <p:cNvPr id="14" name="Image 13" descr="Une image contenant objet&#10;&#10;Description générée avec un niveau de confiance élevé">
-            <a:extLst>
-              <a:ext uri="{FF2B5EF4-FFF2-40B4-BE49-F238E27FC236}">
-                <a16:creationId xmlns:a16="http://schemas.microsoft.com/office/drawing/2014/main" id="{E136E7D1-F350-413C-8C4F-354DB8B6CFC5}"/>
-              </a:ext>
-            </a:extLst>
-          </p:cNvPr>
-          <p:cNvPicPr>
-            <a:picLocks noChangeAspect="1"/>
-          </p:cNvPicPr>
-          <p:nvPr/>
-        </p:nvPicPr>
-        <p:blipFill>
-          <a:blip r:embed="rId2">
-            <a:extLst>
-              <a:ext uri="{28A0092B-C50C-407E-A947-70E740481C1C}">
-                <a14:useLocalDpi xmlns:a14="http://schemas.microsoft.com/office/drawing/2010/main" val="0"/>
-              </a:ext>
-            </a:extLst>
-          </a:blip>
-          <a:stretch>
-            <a:fillRect/>
-          </a:stretch>
-        </p:blipFill>
-        <p:spPr>
-          <a:xfrm>
-            <a:off x="7638757" y="1796617"/>
-            <a:ext cx="3048000" cy="4787900"/>
-          </a:xfrm>
-          <a:prstGeom prst="rect">
-            <a:avLst/>
-          </a:prstGeom>
-          <a:ln>
-            <a:noFill/>
-          </a:ln>
-          <a:effectLst>
-            <a:softEdge rad="112500"/>
-          </a:effectLst>
-        </p:spPr>
-      </p:pic>
-      <p:pic>
-        <p:nvPicPr>
-          <p:cNvPr id="16" name="Image 15">
-            <a:extLst>
-              <a:ext uri="{FF2B5EF4-FFF2-40B4-BE49-F238E27FC236}">
-                <a16:creationId xmlns:a16="http://schemas.microsoft.com/office/drawing/2014/main" id="{8C967E7B-DC9A-46C8-9161-FA51A007669F}"/>
-              </a:ext>
-            </a:extLst>
-          </p:cNvPr>
-          <p:cNvPicPr>
-            <a:picLocks noChangeAspect="1"/>
-          </p:cNvPicPr>
-          <p:nvPr/>
-        </p:nvPicPr>
-        <p:blipFill>
-          <a:blip r:embed="rId3">
-            <a:extLst>
-              <a:ext uri="{28A0092B-C50C-407E-A947-70E740481C1C}">
-                <a14:useLocalDpi xmlns:a14="http://schemas.microsoft.com/office/drawing/2010/main" val="0"/>
-              </a:ext>
-            </a:extLst>
-          </a:blip>
-          <a:stretch>
-            <a:fillRect/>
-          </a:stretch>
-        </p:blipFill>
-        <p:spPr>
-          <a:xfrm>
-            <a:off x="423595" y="2006600"/>
-            <a:ext cx="6807200" cy="2844800"/>
-          </a:xfrm>
-          <a:prstGeom prst="rect">
-            <a:avLst/>
-          </a:prstGeom>
-          <a:ln>
-            <a:noFill/>
-          </a:ln>
-          <a:effectLst>
-            <a:softEdge rad="112500"/>
-          </a:effectLst>
-        </p:spPr>
-      </p:pic>
-    </p:spTree>
-    <p:extLst>
-      <p:ext uri="{BB962C8B-B14F-4D97-AF65-F5344CB8AC3E}">
-        <p14:creationId xmlns:p14="http://schemas.microsoft.com/office/powerpoint/2010/main" val="1227553770"/>
       </p:ext>
     </p:extLst>
   </p:cSld>
